--- a/模具三乙第一組.pptx
+++ b/模具三乙第一組.pptx
@@ -5,16 +5,15 @@
     <p:sldMasterId id="2147483648" r:id="rId1"/>
   </p:sldMasterIdLst>
   <p:notesMasterIdLst>
-    <p:notesMasterId r:id="rId9"/>
+    <p:notesMasterId r:id="rId8"/>
   </p:notesMasterIdLst>
   <p:sldIdLst>
-    <p:sldId id="256" r:id="rId2"/>
-    <p:sldId id="258" r:id="rId3"/>
-    <p:sldId id="264" r:id="rId4"/>
-    <p:sldId id="265" r:id="rId5"/>
-    <p:sldId id="257" r:id="rId6"/>
-    <p:sldId id="266" r:id="rId7"/>
-    <p:sldId id="267" r:id="rId8"/>
+    <p:sldId id="258" r:id="rId2"/>
+    <p:sldId id="264" r:id="rId3"/>
+    <p:sldId id="265" r:id="rId4"/>
+    <p:sldId id="257" r:id="rId5"/>
+    <p:sldId id="266" r:id="rId6"/>
+    <p:sldId id="267" r:id="rId7"/>
   </p:sldIdLst>
   <p:sldSz cx="12192000" cy="6858000"/>
   <p:notesSz cx="6858000" cy="9144000"/>
@@ -115,7 +114,7 @@
   </p:defaultTextStyle>
   <p:extLst>
     <p:ext uri="{EFAFB233-063F-42B5-8137-9DF3F51BA10A}">
-      <p15:sldGuideLst xmlns="" xmlns:p15="http://schemas.microsoft.com/office/powerpoint/2012/main">
+      <p15:sldGuideLst xmlns:p15="http://schemas.microsoft.com/office/powerpoint/2012/main">
         <p15:guide id="1" orient="horz" pos="2160">
           <p15:clr>
             <a:srgbClr val="A4A3A4"/>
@@ -547,7 +546,7 @@
           <a:p>
             <a:fld id="{EC3E6F74-D9C1-4E6F-83FC-D78D5FB8D3B5}" type="slidenum">
               <a:rPr lang="zh-TW" altLang="en-US" smtClean="0"/>
-              <a:t>3</a:t>
+              <a:t>2</a:t>
             </a:fld>
             <a:endParaRPr lang="zh-TW" altLang="en-US"/>
           </a:p>
@@ -3316,121 +3315,6 @@
       </p:grpSpPr>
       <p:sp>
         <p:nvSpPr>
-          <p:cNvPr id="2" name="標題 1"/>
-          <p:cNvSpPr>
-            <a:spLocks noGrp="1"/>
-          </p:cNvSpPr>
-          <p:nvPr>
-            <p:ph type="ctrTitle"/>
-          </p:nvPr>
-        </p:nvSpPr>
-        <p:spPr>
-          <a:xfrm>
-            <a:off x="1130300" y="1122363"/>
-            <a:ext cx="9537700" cy="2387600"/>
-          </a:xfrm>
-        </p:spPr>
-        <p:txBody>
-          <a:bodyPr/>
-          <a:lstStyle/>
-          <a:p>
-            <a:r>
-              <a:rPr lang="zh-TW" altLang="en-US" dirty="0" smtClean="0"/>
-              <a:t>模擬大型車內輪差警示</a:t>
-            </a:r>
-            <a:endParaRPr lang="zh-TW" altLang="en-US" dirty="0"/>
-          </a:p>
-        </p:txBody>
-      </p:sp>
-      <p:sp>
-        <p:nvSpPr>
-          <p:cNvPr id="3" name="副標題 2"/>
-          <p:cNvSpPr>
-            <a:spLocks noGrp="1"/>
-          </p:cNvSpPr>
-          <p:nvPr>
-            <p:ph type="subTitle" idx="1"/>
-          </p:nvPr>
-        </p:nvSpPr>
-        <p:spPr/>
-        <p:txBody>
-          <a:bodyPr/>
-          <a:lstStyle/>
-          <a:p>
-            <a:r>
-              <a:rPr lang="zh-TW" altLang="en-US" dirty="0" smtClean="0"/>
-              <a:t>組別</a:t>
-            </a:r>
-            <a:r>
-              <a:rPr lang="en-US" altLang="zh-TW" dirty="0" smtClean="0"/>
-              <a:t>:</a:t>
-            </a:r>
-            <a:r>
-              <a:rPr lang="zh-TW" altLang="en-US" dirty="0" smtClean="0"/>
-              <a:t>第一組</a:t>
-            </a:r>
-            <a:r>
-              <a:rPr lang="en-US" altLang="zh-TW" dirty="0" smtClean="0"/>
-              <a:t/>
-            </a:r>
-            <a:br>
-              <a:rPr lang="en-US" altLang="zh-TW" dirty="0" smtClean="0"/>
-            </a:br>
-            <a:r>
-              <a:rPr lang="zh-TW" altLang="en-US" dirty="0" smtClean="0"/>
-              <a:t>組員</a:t>
-            </a:r>
-            <a:r>
-              <a:rPr lang="en-US" altLang="zh-TW" dirty="0" smtClean="0"/>
-              <a:t>:</a:t>
-            </a:r>
-            <a:r>
-              <a:rPr lang="zh-TW" altLang="en-US" dirty="0" smtClean="0"/>
-              <a:t>黃志誠，張文嘉，王中辰</a:t>
-            </a:r>
-            <a:endParaRPr lang="zh-TW" altLang="en-US" dirty="0"/>
-          </a:p>
-        </p:txBody>
-      </p:sp>
-    </p:spTree>
-    <p:extLst>
-      <p:ext uri="{BB962C8B-B14F-4D97-AF65-F5344CB8AC3E}">
-        <p14:creationId xmlns:p14="http://schemas.microsoft.com/office/powerpoint/2010/main" val="289673128"/>
-      </p:ext>
-    </p:extLst>
-  </p:cSld>
-  <p:clrMapOvr>
-    <a:masterClrMapping/>
-  </p:clrMapOvr>
-  <p:timing>
-    <p:tnLst>
-      <p:par>
-        <p:cTn id="1" dur="indefinite" restart="never" nodeType="tmRoot"/>
-      </p:par>
-    </p:tnLst>
-  </p:timing>
-</p:sld>
-</file>
-
-<file path=ppt/slides/slide2.xml><?xml version="1.0" encoding="utf-8"?>
-<p:sld xmlns:a="http://schemas.openxmlformats.org/drawingml/2006/main" xmlns:r="http://schemas.openxmlformats.org/officeDocument/2006/relationships" xmlns:p="http://schemas.openxmlformats.org/presentationml/2006/main">
-  <p:cSld>
-    <p:spTree>
-      <p:nvGrpSpPr>
-        <p:cNvPr id="1" name=""/>
-        <p:cNvGrpSpPr/>
-        <p:nvPr/>
-      </p:nvGrpSpPr>
-      <p:grpSpPr>
-        <a:xfrm>
-          <a:off x="0" y="0"/>
-          <a:ext cx="0" cy="0"/>
-          <a:chOff x="0" y="0"/>
-          <a:chExt cx="0" cy="0"/>
-        </a:xfrm>
-      </p:grpSpPr>
-      <p:sp>
-        <p:nvSpPr>
           <p:cNvPr id="5" name="標題 4"/>
           <p:cNvSpPr>
             <a:spLocks noGrp="1"/>
@@ -3565,7 +3449,7 @@
 </p:sld>
 </file>
 
-<file path=ppt/slides/slide3.xml><?xml version="1.0" encoding="utf-8"?>
+<file path=ppt/slides/slide2.xml><?xml version="1.0" encoding="utf-8"?>
 <p:sld xmlns:a="http://schemas.openxmlformats.org/drawingml/2006/main" xmlns:r="http://schemas.openxmlformats.org/officeDocument/2006/relationships" xmlns:p="http://schemas.openxmlformats.org/presentationml/2006/main">
   <p:cSld>
     <p:spTree>
@@ -5480,7 +5364,7 @@
 </p:sld>
 </file>
 
-<file path=ppt/slides/slide4.xml><?xml version="1.0" encoding="utf-8"?>
+<file path=ppt/slides/slide3.xml><?xml version="1.0" encoding="utf-8"?>
 <p:sld xmlns:a="http://schemas.openxmlformats.org/drawingml/2006/main" xmlns:r="http://schemas.openxmlformats.org/officeDocument/2006/relationships" xmlns:p="http://schemas.openxmlformats.org/presentationml/2006/main">
   <p:cSld>
     <p:spTree>
@@ -6813,7 +6697,7 @@
 </p:sld>
 </file>
 
-<file path=ppt/slides/slide5.xml><?xml version="1.0" encoding="utf-8"?>
+<file path=ppt/slides/slide4.xml><?xml version="1.0" encoding="utf-8"?>
 <p:sld xmlns:a="http://schemas.openxmlformats.org/drawingml/2006/main" xmlns:r="http://schemas.openxmlformats.org/officeDocument/2006/relationships" xmlns:p="http://schemas.openxmlformats.org/presentationml/2006/main">
   <p:cSld>
     <p:spTree>
@@ -7096,7 +6980,7 @@
 </p:sld>
 </file>
 
-<file path=ppt/slides/slide6.xml><?xml version="1.0" encoding="utf-8"?>
+<file path=ppt/slides/slide5.xml><?xml version="1.0" encoding="utf-8"?>
 <p:sld xmlns:a="http://schemas.openxmlformats.org/drawingml/2006/main" xmlns:r="http://schemas.openxmlformats.org/officeDocument/2006/relationships" xmlns:p="http://schemas.openxmlformats.org/presentationml/2006/main">
   <p:cSld>
     <p:spTree>
@@ -7638,7 +7522,7 @@
 </p:sld>
 </file>
 
-<file path=ppt/slides/slide7.xml><?xml version="1.0" encoding="utf-8"?>
+<file path=ppt/slides/slide6.xml><?xml version="1.0" encoding="utf-8"?>
 <p:sld xmlns:a="http://schemas.openxmlformats.org/drawingml/2006/main" xmlns:r="http://schemas.openxmlformats.org/officeDocument/2006/relationships" xmlns:p="http://schemas.openxmlformats.org/presentationml/2006/main">
   <p:cSld>
     <p:spTree>
@@ -8119,7 +8003,7 @@
   <a:extraClrSchemeLst/>
   <a:extLst>
     <a:ext uri="{05A4C25C-085E-4340-85A3-A5531E510DB2}">
-      <thm15:themeFamily xmlns="" xmlns:thm15="http://schemas.microsoft.com/office/thememl/2012/main" name="Office Theme" id="{62F939B6-93AF-4DB8-9C6B-D6C7DFDC589F}" vid="{4A3C46E8-61CC-4603-A589-7422A47A8E4A}"/>
+      <thm15:themeFamily xmlns:thm15="http://schemas.microsoft.com/office/thememl/2012/main" name="Office Theme" id="{62F939B6-93AF-4DB8-9C6B-D6C7DFDC589F}" vid="{4A3C46E8-61CC-4603-A589-7422A47A8E4A}"/>
     </a:ext>
   </a:extLst>
 </a:theme>
